--- a/slides/C24_Paradigmas.pptx
+++ b/slides/C24_Paradigmas.pptx
@@ -5,23 +5,24 @@
     <p:sldMasterId id="2147483648" r:id="rId1"/>
   </p:sldMasterIdLst>
   <p:notesMasterIdLst>
-    <p:notesMasterId r:id="rId13"/>
+    <p:notesMasterId r:id="rId14"/>
   </p:notesMasterIdLst>
   <p:handoutMasterIdLst>
-    <p:handoutMasterId r:id="rId14"/>
+    <p:handoutMasterId r:id="rId15"/>
   </p:handoutMasterIdLst>
   <p:sldIdLst>
     <p:sldId id="256" r:id="rId2"/>
-    <p:sldId id="307" r:id="rId3"/>
-    <p:sldId id="308" r:id="rId4"/>
-    <p:sldId id="309" r:id="rId5"/>
-    <p:sldId id="310" r:id="rId6"/>
-    <p:sldId id="311" r:id="rId7"/>
-    <p:sldId id="312" r:id="rId8"/>
-    <p:sldId id="313" r:id="rId9"/>
-    <p:sldId id="293" r:id="rId10"/>
-    <p:sldId id="314" r:id="rId11"/>
-    <p:sldId id="306" r:id="rId12"/>
+    <p:sldId id="316" r:id="rId3"/>
+    <p:sldId id="307" r:id="rId4"/>
+    <p:sldId id="308" r:id="rId5"/>
+    <p:sldId id="309" r:id="rId6"/>
+    <p:sldId id="310" r:id="rId7"/>
+    <p:sldId id="311" r:id="rId8"/>
+    <p:sldId id="312" r:id="rId9"/>
+    <p:sldId id="313" r:id="rId10"/>
+    <p:sldId id="293" r:id="rId11"/>
+    <p:sldId id="314" r:id="rId12"/>
+    <p:sldId id="306" r:id="rId13"/>
   </p:sldIdLst>
   <p:sldSz cx="12192000" cy="6858000"/>
   <p:notesSz cx="7315200" cy="9601200"/>
@@ -285,7 +286,7 @@
           <a:p>
             <a:fld id="{144F1436-6906-4D93-B7A2-786C327BFA14}" type="datetimeFigureOut">
               <a:rPr lang="nl-BE" smtClean="0"/>
-              <a:t>6/01/2026</a:t>
+              <a:t>15/01/2026</a:t>
             </a:fld>
             <a:endParaRPr lang="nl-BE"/>
           </a:p>
@@ -450,7 +451,7 @@
           <a:p>
             <a:fld id="{AA8CD09E-2914-4F47-B6C1-51B2C31814C9}" type="datetimeFigureOut">
               <a:rPr lang="pt-BR" smtClean="0"/>
-              <a:t>06/01/2026</a:t>
+              <a:t>15/01/2026</a:t>
             </a:fld>
             <a:endParaRPr lang="pt-BR"/>
           </a:p>
@@ -823,7 +824,7 @@
           <p:cNvPr id="2" name="Título 1">
             <a:extLst>
               <a:ext uri="{FF2B5EF4-FFF2-40B4-BE49-F238E27FC236}">
-                <a16:creationId xmlns="" xmlns:a16="http://schemas.microsoft.com/office/drawing/2014/main" id="{1DB9B4FF-B06E-403C-A326-BDC64D8FF94E}"/>
+                <a16:creationId xmlns:a16="http://schemas.microsoft.com/office/drawing/2014/main" xmlns="" id="{1DB9B4FF-B06E-403C-A326-BDC64D8FF94E}"/>
               </a:ext>
             </a:extLst>
           </p:cNvPr>
@@ -860,7 +861,7 @@
           <p:cNvPr id="3" name="Subtítulo 2">
             <a:extLst>
               <a:ext uri="{FF2B5EF4-FFF2-40B4-BE49-F238E27FC236}">
-                <a16:creationId xmlns="" xmlns:a16="http://schemas.microsoft.com/office/drawing/2014/main" id="{247BDFCE-746E-45BF-A319-4733D58D1632}"/>
+                <a16:creationId xmlns:a16="http://schemas.microsoft.com/office/drawing/2014/main" xmlns="" id="{247BDFCE-746E-45BF-A319-4733D58D1632}"/>
               </a:ext>
             </a:extLst>
           </p:cNvPr>
@@ -930,7 +931,7 @@
           <p:cNvPr id="4" name="Espaço Reservado para Data 3">
             <a:extLst>
               <a:ext uri="{FF2B5EF4-FFF2-40B4-BE49-F238E27FC236}">
-                <a16:creationId xmlns="" xmlns:a16="http://schemas.microsoft.com/office/drawing/2014/main" id="{9EDE2778-5372-4104-B96D-968184DA8288}"/>
+                <a16:creationId xmlns:a16="http://schemas.microsoft.com/office/drawing/2014/main" xmlns="" id="{9EDE2778-5372-4104-B96D-968184DA8288}"/>
               </a:ext>
             </a:extLst>
           </p:cNvPr>
@@ -948,7 +949,7 @@
           <a:p>
             <a:fld id="{63289F7E-B80B-496E-81B4-D396C37C9454}" type="datetimeFigureOut">
               <a:rPr lang="pt-BR" smtClean="0"/>
-              <a:t>06/01/2026</a:t>
+              <a:t>15/01/2026</a:t>
             </a:fld>
             <a:endParaRPr lang="pt-BR"/>
           </a:p>
@@ -959,7 +960,7 @@
           <p:cNvPr id="5" name="Espaço Reservado para Rodapé 4">
             <a:extLst>
               <a:ext uri="{FF2B5EF4-FFF2-40B4-BE49-F238E27FC236}">
-                <a16:creationId xmlns="" xmlns:a16="http://schemas.microsoft.com/office/drawing/2014/main" id="{C1DD0F41-C861-4051-988D-3024A37A4B93}"/>
+                <a16:creationId xmlns:a16="http://schemas.microsoft.com/office/drawing/2014/main" xmlns="" id="{C1DD0F41-C861-4051-988D-3024A37A4B93}"/>
               </a:ext>
             </a:extLst>
           </p:cNvPr>
@@ -984,7 +985,7 @@
           <p:cNvPr id="6" name="Espaço Reservado para Número de Slide 5">
             <a:extLst>
               <a:ext uri="{FF2B5EF4-FFF2-40B4-BE49-F238E27FC236}">
-                <a16:creationId xmlns="" xmlns:a16="http://schemas.microsoft.com/office/drawing/2014/main" id="{07E5967E-D980-431A-A5DB-3F0C5030A81E}"/>
+                <a16:creationId xmlns:a16="http://schemas.microsoft.com/office/drawing/2014/main" xmlns="" id="{07E5967E-D980-431A-A5DB-3F0C5030A81E}"/>
               </a:ext>
             </a:extLst>
           </p:cNvPr>
@@ -1043,7 +1044,7 @@
           <p:cNvPr id="2" name="Título 1">
             <a:extLst>
               <a:ext uri="{FF2B5EF4-FFF2-40B4-BE49-F238E27FC236}">
-                <a16:creationId xmlns="" xmlns:a16="http://schemas.microsoft.com/office/drawing/2014/main" id="{9036C49F-3E68-4175-81BA-3C3FEE44308A}"/>
+                <a16:creationId xmlns:a16="http://schemas.microsoft.com/office/drawing/2014/main" xmlns="" id="{9036C49F-3E68-4175-81BA-3C3FEE44308A}"/>
               </a:ext>
             </a:extLst>
           </p:cNvPr>
@@ -1071,7 +1072,7 @@
           <p:cNvPr id="3" name="Espaço Reservado para Texto Vertical 2">
             <a:extLst>
               <a:ext uri="{FF2B5EF4-FFF2-40B4-BE49-F238E27FC236}">
-                <a16:creationId xmlns="" xmlns:a16="http://schemas.microsoft.com/office/drawing/2014/main" id="{426FA736-3DD3-4D4E-B57B-BBE1D8F7D424}"/>
+                <a16:creationId xmlns:a16="http://schemas.microsoft.com/office/drawing/2014/main" xmlns="" id="{426FA736-3DD3-4D4E-B57B-BBE1D8F7D424}"/>
               </a:ext>
             </a:extLst>
           </p:cNvPr>
@@ -1128,7 +1129,7 @@
           <p:cNvPr id="4" name="Espaço Reservado para Data 3">
             <a:extLst>
               <a:ext uri="{FF2B5EF4-FFF2-40B4-BE49-F238E27FC236}">
-                <a16:creationId xmlns="" xmlns:a16="http://schemas.microsoft.com/office/drawing/2014/main" id="{99E8855C-D8FD-48F6-B14E-861E0DE4D915}"/>
+                <a16:creationId xmlns:a16="http://schemas.microsoft.com/office/drawing/2014/main" xmlns="" id="{99E8855C-D8FD-48F6-B14E-861E0DE4D915}"/>
               </a:ext>
             </a:extLst>
           </p:cNvPr>
@@ -1146,7 +1147,7 @@
           <a:p>
             <a:fld id="{63289F7E-B80B-496E-81B4-D396C37C9454}" type="datetimeFigureOut">
               <a:rPr lang="pt-BR" smtClean="0"/>
-              <a:t>06/01/2026</a:t>
+              <a:t>15/01/2026</a:t>
             </a:fld>
             <a:endParaRPr lang="pt-BR"/>
           </a:p>
@@ -1157,7 +1158,7 @@
           <p:cNvPr id="5" name="Espaço Reservado para Rodapé 4">
             <a:extLst>
               <a:ext uri="{FF2B5EF4-FFF2-40B4-BE49-F238E27FC236}">
-                <a16:creationId xmlns="" xmlns:a16="http://schemas.microsoft.com/office/drawing/2014/main" id="{97C0BB88-2F21-42A5-ACFF-83DA47F2D340}"/>
+                <a16:creationId xmlns:a16="http://schemas.microsoft.com/office/drawing/2014/main" xmlns="" id="{97C0BB88-2F21-42A5-ACFF-83DA47F2D340}"/>
               </a:ext>
             </a:extLst>
           </p:cNvPr>
@@ -1182,7 +1183,7 @@
           <p:cNvPr id="6" name="Espaço Reservado para Número de Slide 5">
             <a:extLst>
               <a:ext uri="{FF2B5EF4-FFF2-40B4-BE49-F238E27FC236}">
-                <a16:creationId xmlns="" xmlns:a16="http://schemas.microsoft.com/office/drawing/2014/main" id="{6CB462B3-1F22-4C05-B4B8-7A279FB7D5E9}"/>
+                <a16:creationId xmlns:a16="http://schemas.microsoft.com/office/drawing/2014/main" xmlns="" id="{6CB462B3-1F22-4C05-B4B8-7A279FB7D5E9}"/>
               </a:ext>
             </a:extLst>
           </p:cNvPr>
@@ -1241,7 +1242,7 @@
           <p:cNvPr id="2" name="Título Vertical 1">
             <a:extLst>
               <a:ext uri="{FF2B5EF4-FFF2-40B4-BE49-F238E27FC236}">
-                <a16:creationId xmlns="" xmlns:a16="http://schemas.microsoft.com/office/drawing/2014/main" id="{EAEAB728-701C-4207-A9D5-23FF45C60502}"/>
+                <a16:creationId xmlns:a16="http://schemas.microsoft.com/office/drawing/2014/main" xmlns="" id="{EAEAB728-701C-4207-A9D5-23FF45C60502}"/>
               </a:ext>
             </a:extLst>
           </p:cNvPr>
@@ -1274,7 +1275,7 @@
           <p:cNvPr id="3" name="Espaço Reservado para Texto Vertical 2">
             <a:extLst>
               <a:ext uri="{FF2B5EF4-FFF2-40B4-BE49-F238E27FC236}">
-                <a16:creationId xmlns="" xmlns:a16="http://schemas.microsoft.com/office/drawing/2014/main" id="{BA8C8CCF-7823-480A-9A19-0F664DD17E3B}"/>
+                <a16:creationId xmlns:a16="http://schemas.microsoft.com/office/drawing/2014/main" xmlns="" id="{BA8C8CCF-7823-480A-9A19-0F664DD17E3B}"/>
               </a:ext>
             </a:extLst>
           </p:cNvPr>
@@ -1336,7 +1337,7 @@
           <p:cNvPr id="4" name="Espaço Reservado para Data 3">
             <a:extLst>
               <a:ext uri="{FF2B5EF4-FFF2-40B4-BE49-F238E27FC236}">
-                <a16:creationId xmlns="" xmlns:a16="http://schemas.microsoft.com/office/drawing/2014/main" id="{721D5734-7B1F-425D-942F-6EB73344027C}"/>
+                <a16:creationId xmlns:a16="http://schemas.microsoft.com/office/drawing/2014/main" xmlns="" id="{721D5734-7B1F-425D-942F-6EB73344027C}"/>
               </a:ext>
             </a:extLst>
           </p:cNvPr>
@@ -1354,7 +1355,7 @@
           <a:p>
             <a:fld id="{63289F7E-B80B-496E-81B4-D396C37C9454}" type="datetimeFigureOut">
               <a:rPr lang="pt-BR" smtClean="0"/>
-              <a:t>06/01/2026</a:t>
+              <a:t>15/01/2026</a:t>
             </a:fld>
             <a:endParaRPr lang="pt-BR"/>
           </a:p>
@@ -1365,7 +1366,7 @@
           <p:cNvPr id="5" name="Espaço Reservado para Rodapé 4">
             <a:extLst>
               <a:ext uri="{FF2B5EF4-FFF2-40B4-BE49-F238E27FC236}">
-                <a16:creationId xmlns="" xmlns:a16="http://schemas.microsoft.com/office/drawing/2014/main" id="{1E1AAEAC-F08D-45FE-89EC-B1B349A868C9}"/>
+                <a16:creationId xmlns:a16="http://schemas.microsoft.com/office/drawing/2014/main" xmlns="" id="{1E1AAEAC-F08D-45FE-89EC-B1B349A868C9}"/>
               </a:ext>
             </a:extLst>
           </p:cNvPr>
@@ -1390,7 +1391,7 @@
           <p:cNvPr id="6" name="Espaço Reservado para Número de Slide 5">
             <a:extLst>
               <a:ext uri="{FF2B5EF4-FFF2-40B4-BE49-F238E27FC236}">
-                <a16:creationId xmlns="" xmlns:a16="http://schemas.microsoft.com/office/drawing/2014/main" id="{BAA44493-9911-47B2-87A6-C2141A972BC8}"/>
+                <a16:creationId xmlns:a16="http://schemas.microsoft.com/office/drawing/2014/main" xmlns="" id="{BAA44493-9911-47B2-87A6-C2141A972BC8}"/>
               </a:ext>
             </a:extLst>
           </p:cNvPr>
@@ -1449,7 +1450,7 @@
           <p:cNvPr id="2" name="Título 1">
             <a:extLst>
               <a:ext uri="{FF2B5EF4-FFF2-40B4-BE49-F238E27FC236}">
-                <a16:creationId xmlns="" xmlns:a16="http://schemas.microsoft.com/office/drawing/2014/main" id="{71BD44A5-8F21-4626-A01D-48A1C874B1D5}"/>
+                <a16:creationId xmlns:a16="http://schemas.microsoft.com/office/drawing/2014/main" xmlns="" id="{71BD44A5-8F21-4626-A01D-48A1C874B1D5}"/>
               </a:ext>
             </a:extLst>
           </p:cNvPr>
@@ -1477,7 +1478,7 @@
           <p:cNvPr id="3" name="Espaço Reservado para Conteúdo 2">
             <a:extLst>
               <a:ext uri="{FF2B5EF4-FFF2-40B4-BE49-F238E27FC236}">
-                <a16:creationId xmlns="" xmlns:a16="http://schemas.microsoft.com/office/drawing/2014/main" id="{B79E8085-65A9-48AA-951D-71D978BFF4ED}"/>
+                <a16:creationId xmlns:a16="http://schemas.microsoft.com/office/drawing/2014/main" xmlns="" id="{B79E8085-65A9-48AA-951D-71D978BFF4ED}"/>
               </a:ext>
             </a:extLst>
           </p:cNvPr>
@@ -1534,7 +1535,7 @@
           <p:cNvPr id="4" name="Espaço Reservado para Data 3">
             <a:extLst>
               <a:ext uri="{FF2B5EF4-FFF2-40B4-BE49-F238E27FC236}">
-                <a16:creationId xmlns="" xmlns:a16="http://schemas.microsoft.com/office/drawing/2014/main" id="{F05BE1AF-51EA-425D-B188-DE7BD675009F}"/>
+                <a16:creationId xmlns:a16="http://schemas.microsoft.com/office/drawing/2014/main" xmlns="" id="{F05BE1AF-51EA-425D-B188-DE7BD675009F}"/>
               </a:ext>
             </a:extLst>
           </p:cNvPr>
@@ -1552,7 +1553,7 @@
           <a:p>
             <a:fld id="{63289F7E-B80B-496E-81B4-D396C37C9454}" type="datetimeFigureOut">
               <a:rPr lang="pt-BR" smtClean="0"/>
-              <a:t>06/01/2026</a:t>
+              <a:t>15/01/2026</a:t>
             </a:fld>
             <a:endParaRPr lang="pt-BR"/>
           </a:p>
@@ -1563,7 +1564,7 @@
           <p:cNvPr id="5" name="Espaço Reservado para Rodapé 4">
             <a:extLst>
               <a:ext uri="{FF2B5EF4-FFF2-40B4-BE49-F238E27FC236}">
-                <a16:creationId xmlns="" xmlns:a16="http://schemas.microsoft.com/office/drawing/2014/main" id="{121BE632-29CF-4CB9-B365-C9EF38F89BE6}"/>
+                <a16:creationId xmlns:a16="http://schemas.microsoft.com/office/drawing/2014/main" xmlns="" id="{121BE632-29CF-4CB9-B365-C9EF38F89BE6}"/>
               </a:ext>
             </a:extLst>
           </p:cNvPr>
@@ -1588,7 +1589,7 @@
           <p:cNvPr id="6" name="Espaço Reservado para Número de Slide 5">
             <a:extLst>
               <a:ext uri="{FF2B5EF4-FFF2-40B4-BE49-F238E27FC236}">
-                <a16:creationId xmlns="" xmlns:a16="http://schemas.microsoft.com/office/drawing/2014/main" id="{60CF3DD1-9AEC-4A57-B461-4E4DD86FAC18}"/>
+                <a16:creationId xmlns:a16="http://schemas.microsoft.com/office/drawing/2014/main" xmlns="" id="{60CF3DD1-9AEC-4A57-B461-4E4DD86FAC18}"/>
               </a:ext>
             </a:extLst>
           </p:cNvPr>
@@ -1647,7 +1648,7 @@
           <p:cNvPr id="2" name="Título 1">
             <a:extLst>
               <a:ext uri="{FF2B5EF4-FFF2-40B4-BE49-F238E27FC236}">
-                <a16:creationId xmlns="" xmlns:a16="http://schemas.microsoft.com/office/drawing/2014/main" id="{34AB2FF0-A4D7-4E28-991D-FF26140D5988}"/>
+                <a16:creationId xmlns:a16="http://schemas.microsoft.com/office/drawing/2014/main" xmlns="" id="{34AB2FF0-A4D7-4E28-991D-FF26140D5988}"/>
               </a:ext>
             </a:extLst>
           </p:cNvPr>
@@ -1684,7 +1685,7 @@
           <p:cNvPr id="3" name="Espaço Reservado para Texto 2">
             <a:extLst>
               <a:ext uri="{FF2B5EF4-FFF2-40B4-BE49-F238E27FC236}">
-                <a16:creationId xmlns="" xmlns:a16="http://schemas.microsoft.com/office/drawing/2014/main" id="{E2AC45B0-4145-40DB-8E61-105461170604}"/>
+                <a16:creationId xmlns:a16="http://schemas.microsoft.com/office/drawing/2014/main" xmlns="" id="{E2AC45B0-4145-40DB-8E61-105461170604}"/>
               </a:ext>
             </a:extLst>
           </p:cNvPr>
@@ -1809,7 +1810,7 @@
           <p:cNvPr id="4" name="Espaço Reservado para Data 3">
             <a:extLst>
               <a:ext uri="{FF2B5EF4-FFF2-40B4-BE49-F238E27FC236}">
-                <a16:creationId xmlns="" xmlns:a16="http://schemas.microsoft.com/office/drawing/2014/main" id="{50F1D3FB-740A-4EBA-A309-2CE71D12ECFB}"/>
+                <a16:creationId xmlns:a16="http://schemas.microsoft.com/office/drawing/2014/main" xmlns="" id="{50F1D3FB-740A-4EBA-A309-2CE71D12ECFB}"/>
               </a:ext>
             </a:extLst>
           </p:cNvPr>
@@ -1827,7 +1828,7 @@
           <a:p>
             <a:fld id="{63289F7E-B80B-496E-81B4-D396C37C9454}" type="datetimeFigureOut">
               <a:rPr lang="pt-BR" smtClean="0"/>
-              <a:t>06/01/2026</a:t>
+              <a:t>15/01/2026</a:t>
             </a:fld>
             <a:endParaRPr lang="pt-BR"/>
           </a:p>
@@ -1838,7 +1839,7 @@
           <p:cNvPr id="5" name="Espaço Reservado para Rodapé 4">
             <a:extLst>
               <a:ext uri="{FF2B5EF4-FFF2-40B4-BE49-F238E27FC236}">
-                <a16:creationId xmlns="" xmlns:a16="http://schemas.microsoft.com/office/drawing/2014/main" id="{BDCAB18F-8715-4465-A940-F9C193A2ACE9}"/>
+                <a16:creationId xmlns:a16="http://schemas.microsoft.com/office/drawing/2014/main" xmlns="" id="{BDCAB18F-8715-4465-A940-F9C193A2ACE9}"/>
               </a:ext>
             </a:extLst>
           </p:cNvPr>
@@ -1863,7 +1864,7 @@
           <p:cNvPr id="6" name="Espaço Reservado para Número de Slide 5">
             <a:extLst>
               <a:ext uri="{FF2B5EF4-FFF2-40B4-BE49-F238E27FC236}">
-                <a16:creationId xmlns="" xmlns:a16="http://schemas.microsoft.com/office/drawing/2014/main" id="{353466C6-8248-429F-8056-FF040BF509EB}"/>
+                <a16:creationId xmlns:a16="http://schemas.microsoft.com/office/drawing/2014/main" xmlns="" id="{353466C6-8248-429F-8056-FF040BF509EB}"/>
               </a:ext>
             </a:extLst>
           </p:cNvPr>
@@ -1922,7 +1923,7 @@
           <p:cNvPr id="2" name="Título 1">
             <a:extLst>
               <a:ext uri="{FF2B5EF4-FFF2-40B4-BE49-F238E27FC236}">
-                <a16:creationId xmlns="" xmlns:a16="http://schemas.microsoft.com/office/drawing/2014/main" id="{BC7BB9F0-F14B-4A91-B2B7-35BC47FE4DE7}"/>
+                <a16:creationId xmlns:a16="http://schemas.microsoft.com/office/drawing/2014/main" xmlns="" id="{BC7BB9F0-F14B-4A91-B2B7-35BC47FE4DE7}"/>
               </a:ext>
             </a:extLst>
           </p:cNvPr>
@@ -1950,7 +1951,7 @@
           <p:cNvPr id="3" name="Espaço Reservado para Conteúdo 2">
             <a:extLst>
               <a:ext uri="{FF2B5EF4-FFF2-40B4-BE49-F238E27FC236}">
-                <a16:creationId xmlns="" xmlns:a16="http://schemas.microsoft.com/office/drawing/2014/main" id="{EC1FC1C4-73DA-47A6-8496-B0B457F7D39A}"/>
+                <a16:creationId xmlns:a16="http://schemas.microsoft.com/office/drawing/2014/main" xmlns="" id="{EC1FC1C4-73DA-47A6-8496-B0B457F7D39A}"/>
               </a:ext>
             </a:extLst>
           </p:cNvPr>
@@ -2012,7 +2013,7 @@
           <p:cNvPr id="4" name="Espaço Reservado para Conteúdo 3">
             <a:extLst>
               <a:ext uri="{FF2B5EF4-FFF2-40B4-BE49-F238E27FC236}">
-                <a16:creationId xmlns="" xmlns:a16="http://schemas.microsoft.com/office/drawing/2014/main" id="{E92F06A8-A449-4D92-9912-76873E529B38}"/>
+                <a16:creationId xmlns:a16="http://schemas.microsoft.com/office/drawing/2014/main" xmlns="" id="{E92F06A8-A449-4D92-9912-76873E529B38}"/>
               </a:ext>
             </a:extLst>
           </p:cNvPr>
@@ -2074,7 +2075,7 @@
           <p:cNvPr id="5" name="Espaço Reservado para Data 4">
             <a:extLst>
               <a:ext uri="{FF2B5EF4-FFF2-40B4-BE49-F238E27FC236}">
-                <a16:creationId xmlns="" xmlns:a16="http://schemas.microsoft.com/office/drawing/2014/main" id="{938070A4-BC2F-4D55-BD8D-DEAF11BB9EE9}"/>
+                <a16:creationId xmlns:a16="http://schemas.microsoft.com/office/drawing/2014/main" xmlns="" id="{938070A4-BC2F-4D55-BD8D-DEAF11BB9EE9}"/>
               </a:ext>
             </a:extLst>
           </p:cNvPr>
@@ -2092,7 +2093,7 @@
           <a:p>
             <a:fld id="{63289F7E-B80B-496E-81B4-D396C37C9454}" type="datetimeFigureOut">
               <a:rPr lang="pt-BR" smtClean="0"/>
-              <a:t>06/01/2026</a:t>
+              <a:t>15/01/2026</a:t>
             </a:fld>
             <a:endParaRPr lang="pt-BR"/>
           </a:p>
@@ -2103,7 +2104,7 @@
           <p:cNvPr id="6" name="Espaço Reservado para Rodapé 5">
             <a:extLst>
               <a:ext uri="{FF2B5EF4-FFF2-40B4-BE49-F238E27FC236}">
-                <a16:creationId xmlns="" xmlns:a16="http://schemas.microsoft.com/office/drawing/2014/main" id="{45CC2DB8-844A-465F-BA9A-7734C80C7F43}"/>
+                <a16:creationId xmlns:a16="http://schemas.microsoft.com/office/drawing/2014/main" xmlns="" id="{45CC2DB8-844A-465F-BA9A-7734C80C7F43}"/>
               </a:ext>
             </a:extLst>
           </p:cNvPr>
@@ -2128,7 +2129,7 @@
           <p:cNvPr id="7" name="Espaço Reservado para Número de Slide 6">
             <a:extLst>
               <a:ext uri="{FF2B5EF4-FFF2-40B4-BE49-F238E27FC236}">
-                <a16:creationId xmlns="" xmlns:a16="http://schemas.microsoft.com/office/drawing/2014/main" id="{4CC606A8-097B-4040-94E0-CD8C88280D8F}"/>
+                <a16:creationId xmlns:a16="http://schemas.microsoft.com/office/drawing/2014/main" xmlns="" id="{4CC606A8-097B-4040-94E0-CD8C88280D8F}"/>
               </a:ext>
             </a:extLst>
           </p:cNvPr>
@@ -2187,7 +2188,7 @@
           <p:cNvPr id="2" name="Título 1">
             <a:extLst>
               <a:ext uri="{FF2B5EF4-FFF2-40B4-BE49-F238E27FC236}">
-                <a16:creationId xmlns="" xmlns:a16="http://schemas.microsoft.com/office/drawing/2014/main" id="{76D66686-0143-4CB6-8C09-BA326F1E7ACA}"/>
+                <a16:creationId xmlns:a16="http://schemas.microsoft.com/office/drawing/2014/main" xmlns="" id="{76D66686-0143-4CB6-8C09-BA326F1E7ACA}"/>
               </a:ext>
             </a:extLst>
           </p:cNvPr>
@@ -2220,7 +2221,7 @@
           <p:cNvPr id="3" name="Espaço Reservado para Texto 2">
             <a:extLst>
               <a:ext uri="{FF2B5EF4-FFF2-40B4-BE49-F238E27FC236}">
-                <a16:creationId xmlns="" xmlns:a16="http://schemas.microsoft.com/office/drawing/2014/main" id="{0227AB85-F59E-4BCE-B846-4FA0992C2F23}"/>
+                <a16:creationId xmlns:a16="http://schemas.microsoft.com/office/drawing/2014/main" xmlns="" id="{0227AB85-F59E-4BCE-B846-4FA0992C2F23}"/>
               </a:ext>
             </a:extLst>
           </p:cNvPr>
@@ -2291,7 +2292,7 @@
           <p:cNvPr id="4" name="Espaço Reservado para Conteúdo 3">
             <a:extLst>
               <a:ext uri="{FF2B5EF4-FFF2-40B4-BE49-F238E27FC236}">
-                <a16:creationId xmlns="" xmlns:a16="http://schemas.microsoft.com/office/drawing/2014/main" id="{3373456C-7319-4D0A-827D-D29F6B083F5D}"/>
+                <a16:creationId xmlns:a16="http://schemas.microsoft.com/office/drawing/2014/main" xmlns="" id="{3373456C-7319-4D0A-827D-D29F6B083F5D}"/>
               </a:ext>
             </a:extLst>
           </p:cNvPr>
@@ -2353,7 +2354,7 @@
           <p:cNvPr id="5" name="Espaço Reservado para Texto 4">
             <a:extLst>
               <a:ext uri="{FF2B5EF4-FFF2-40B4-BE49-F238E27FC236}">
-                <a16:creationId xmlns="" xmlns:a16="http://schemas.microsoft.com/office/drawing/2014/main" id="{4CD109D0-2E83-4262-8029-A871CEC47406}"/>
+                <a16:creationId xmlns:a16="http://schemas.microsoft.com/office/drawing/2014/main" xmlns="" id="{4CD109D0-2E83-4262-8029-A871CEC47406}"/>
               </a:ext>
             </a:extLst>
           </p:cNvPr>
@@ -2424,7 +2425,7 @@
           <p:cNvPr id="6" name="Espaço Reservado para Conteúdo 5">
             <a:extLst>
               <a:ext uri="{FF2B5EF4-FFF2-40B4-BE49-F238E27FC236}">
-                <a16:creationId xmlns="" xmlns:a16="http://schemas.microsoft.com/office/drawing/2014/main" id="{AD706E3A-CFBB-4A6C-A65F-D0360A9E74FE}"/>
+                <a16:creationId xmlns:a16="http://schemas.microsoft.com/office/drawing/2014/main" xmlns="" id="{AD706E3A-CFBB-4A6C-A65F-D0360A9E74FE}"/>
               </a:ext>
             </a:extLst>
           </p:cNvPr>
@@ -2486,7 +2487,7 @@
           <p:cNvPr id="7" name="Espaço Reservado para Data 6">
             <a:extLst>
               <a:ext uri="{FF2B5EF4-FFF2-40B4-BE49-F238E27FC236}">
-                <a16:creationId xmlns="" xmlns:a16="http://schemas.microsoft.com/office/drawing/2014/main" id="{4172C0E5-5AF0-4805-BB51-443733CD2BD5}"/>
+                <a16:creationId xmlns:a16="http://schemas.microsoft.com/office/drawing/2014/main" xmlns="" id="{4172C0E5-5AF0-4805-BB51-443733CD2BD5}"/>
               </a:ext>
             </a:extLst>
           </p:cNvPr>
@@ -2504,7 +2505,7 @@
           <a:p>
             <a:fld id="{63289F7E-B80B-496E-81B4-D396C37C9454}" type="datetimeFigureOut">
               <a:rPr lang="pt-BR" smtClean="0"/>
-              <a:t>06/01/2026</a:t>
+              <a:t>15/01/2026</a:t>
             </a:fld>
             <a:endParaRPr lang="pt-BR"/>
           </a:p>
@@ -2515,7 +2516,7 @@
           <p:cNvPr id="8" name="Espaço Reservado para Rodapé 7">
             <a:extLst>
               <a:ext uri="{FF2B5EF4-FFF2-40B4-BE49-F238E27FC236}">
-                <a16:creationId xmlns="" xmlns:a16="http://schemas.microsoft.com/office/drawing/2014/main" id="{0E801648-156F-497E-99CF-797DF48051E1}"/>
+                <a16:creationId xmlns:a16="http://schemas.microsoft.com/office/drawing/2014/main" xmlns="" id="{0E801648-156F-497E-99CF-797DF48051E1}"/>
               </a:ext>
             </a:extLst>
           </p:cNvPr>
@@ -2540,7 +2541,7 @@
           <p:cNvPr id="9" name="Espaço Reservado para Número de Slide 8">
             <a:extLst>
               <a:ext uri="{FF2B5EF4-FFF2-40B4-BE49-F238E27FC236}">
-                <a16:creationId xmlns="" xmlns:a16="http://schemas.microsoft.com/office/drawing/2014/main" id="{EEE23D32-80E7-4796-A137-66BF842E4B53}"/>
+                <a16:creationId xmlns:a16="http://schemas.microsoft.com/office/drawing/2014/main" xmlns="" id="{EEE23D32-80E7-4796-A137-66BF842E4B53}"/>
               </a:ext>
             </a:extLst>
           </p:cNvPr>
@@ -2599,7 +2600,7 @@
           <p:cNvPr id="2" name="Título 1">
             <a:extLst>
               <a:ext uri="{FF2B5EF4-FFF2-40B4-BE49-F238E27FC236}">
-                <a16:creationId xmlns="" xmlns:a16="http://schemas.microsoft.com/office/drawing/2014/main" id="{2BCE2379-C78F-47E1-8CFC-B846E7AF148D}"/>
+                <a16:creationId xmlns:a16="http://schemas.microsoft.com/office/drawing/2014/main" xmlns="" id="{2BCE2379-C78F-47E1-8CFC-B846E7AF148D}"/>
               </a:ext>
             </a:extLst>
           </p:cNvPr>
@@ -2627,7 +2628,7 @@
           <p:cNvPr id="3" name="Espaço Reservado para Data 2">
             <a:extLst>
               <a:ext uri="{FF2B5EF4-FFF2-40B4-BE49-F238E27FC236}">
-                <a16:creationId xmlns="" xmlns:a16="http://schemas.microsoft.com/office/drawing/2014/main" id="{342600A9-7F92-4E22-9D94-E4717252A817}"/>
+                <a16:creationId xmlns:a16="http://schemas.microsoft.com/office/drawing/2014/main" xmlns="" id="{342600A9-7F92-4E22-9D94-E4717252A817}"/>
               </a:ext>
             </a:extLst>
           </p:cNvPr>
@@ -2645,7 +2646,7 @@
           <a:p>
             <a:fld id="{63289F7E-B80B-496E-81B4-D396C37C9454}" type="datetimeFigureOut">
               <a:rPr lang="pt-BR" smtClean="0"/>
-              <a:t>06/01/2026</a:t>
+              <a:t>15/01/2026</a:t>
             </a:fld>
             <a:endParaRPr lang="pt-BR"/>
           </a:p>
@@ -2656,7 +2657,7 @@
           <p:cNvPr id="4" name="Espaço Reservado para Rodapé 3">
             <a:extLst>
               <a:ext uri="{FF2B5EF4-FFF2-40B4-BE49-F238E27FC236}">
-                <a16:creationId xmlns="" xmlns:a16="http://schemas.microsoft.com/office/drawing/2014/main" id="{192E6BED-F546-40CC-A2DF-99CBA853654E}"/>
+                <a16:creationId xmlns:a16="http://schemas.microsoft.com/office/drawing/2014/main" xmlns="" id="{192E6BED-F546-40CC-A2DF-99CBA853654E}"/>
               </a:ext>
             </a:extLst>
           </p:cNvPr>
@@ -2681,7 +2682,7 @@
           <p:cNvPr id="5" name="Espaço Reservado para Número de Slide 4">
             <a:extLst>
               <a:ext uri="{FF2B5EF4-FFF2-40B4-BE49-F238E27FC236}">
-                <a16:creationId xmlns="" xmlns:a16="http://schemas.microsoft.com/office/drawing/2014/main" id="{6091CC40-A8C4-4063-80EB-CC5099621678}"/>
+                <a16:creationId xmlns:a16="http://schemas.microsoft.com/office/drawing/2014/main" xmlns="" id="{6091CC40-A8C4-4063-80EB-CC5099621678}"/>
               </a:ext>
             </a:extLst>
           </p:cNvPr>
@@ -2740,7 +2741,7 @@
           <p:cNvPr id="2" name="Espaço Reservado para Data 1">
             <a:extLst>
               <a:ext uri="{FF2B5EF4-FFF2-40B4-BE49-F238E27FC236}">
-                <a16:creationId xmlns="" xmlns:a16="http://schemas.microsoft.com/office/drawing/2014/main" id="{DD19515C-212C-4EAE-84A3-8FF4BC844F1B}"/>
+                <a16:creationId xmlns:a16="http://schemas.microsoft.com/office/drawing/2014/main" xmlns="" id="{DD19515C-212C-4EAE-84A3-8FF4BC844F1B}"/>
               </a:ext>
             </a:extLst>
           </p:cNvPr>
@@ -2758,7 +2759,7 @@
           <a:p>
             <a:fld id="{63289F7E-B80B-496E-81B4-D396C37C9454}" type="datetimeFigureOut">
               <a:rPr lang="pt-BR" smtClean="0"/>
-              <a:t>06/01/2026</a:t>
+              <a:t>15/01/2026</a:t>
             </a:fld>
             <a:endParaRPr lang="pt-BR"/>
           </a:p>
@@ -2769,7 +2770,7 @@
           <p:cNvPr id="3" name="Espaço Reservado para Rodapé 2">
             <a:extLst>
               <a:ext uri="{FF2B5EF4-FFF2-40B4-BE49-F238E27FC236}">
-                <a16:creationId xmlns="" xmlns:a16="http://schemas.microsoft.com/office/drawing/2014/main" id="{94D3D120-B3E8-4C96-861D-7A4F12F49B3A}"/>
+                <a16:creationId xmlns:a16="http://schemas.microsoft.com/office/drawing/2014/main" xmlns="" id="{94D3D120-B3E8-4C96-861D-7A4F12F49B3A}"/>
               </a:ext>
             </a:extLst>
           </p:cNvPr>
@@ -2794,7 +2795,7 @@
           <p:cNvPr id="4" name="Espaço Reservado para Número de Slide 3">
             <a:extLst>
               <a:ext uri="{FF2B5EF4-FFF2-40B4-BE49-F238E27FC236}">
-                <a16:creationId xmlns="" xmlns:a16="http://schemas.microsoft.com/office/drawing/2014/main" id="{42E49B68-FA1B-468B-9F17-D5C09243D454}"/>
+                <a16:creationId xmlns:a16="http://schemas.microsoft.com/office/drawing/2014/main" xmlns="" id="{42E49B68-FA1B-468B-9F17-D5C09243D454}"/>
               </a:ext>
             </a:extLst>
           </p:cNvPr>
@@ -2853,7 +2854,7 @@
           <p:cNvPr id="2" name="Título 1">
             <a:extLst>
               <a:ext uri="{FF2B5EF4-FFF2-40B4-BE49-F238E27FC236}">
-                <a16:creationId xmlns="" xmlns:a16="http://schemas.microsoft.com/office/drawing/2014/main" id="{1C17BCBE-A897-4319-85EC-D87909C24980}"/>
+                <a16:creationId xmlns:a16="http://schemas.microsoft.com/office/drawing/2014/main" xmlns="" id="{1C17BCBE-A897-4319-85EC-D87909C24980}"/>
               </a:ext>
             </a:extLst>
           </p:cNvPr>
@@ -2890,7 +2891,7 @@
           <p:cNvPr id="3" name="Espaço Reservado para Conteúdo 2">
             <a:extLst>
               <a:ext uri="{FF2B5EF4-FFF2-40B4-BE49-F238E27FC236}">
-                <a16:creationId xmlns="" xmlns:a16="http://schemas.microsoft.com/office/drawing/2014/main" id="{4226F885-0204-4913-868B-4B8B82576F17}"/>
+                <a16:creationId xmlns:a16="http://schemas.microsoft.com/office/drawing/2014/main" xmlns="" id="{4226F885-0204-4913-868B-4B8B82576F17}"/>
               </a:ext>
             </a:extLst>
           </p:cNvPr>
@@ -2980,7 +2981,7 @@
           <p:cNvPr id="4" name="Espaço Reservado para Texto 3">
             <a:extLst>
               <a:ext uri="{FF2B5EF4-FFF2-40B4-BE49-F238E27FC236}">
-                <a16:creationId xmlns="" xmlns:a16="http://schemas.microsoft.com/office/drawing/2014/main" id="{00F9F784-A858-441B-8AB5-697098141751}"/>
+                <a16:creationId xmlns:a16="http://schemas.microsoft.com/office/drawing/2014/main" xmlns="" id="{00F9F784-A858-441B-8AB5-697098141751}"/>
               </a:ext>
             </a:extLst>
           </p:cNvPr>
@@ -3051,7 +3052,7 @@
           <p:cNvPr id="5" name="Espaço Reservado para Data 4">
             <a:extLst>
               <a:ext uri="{FF2B5EF4-FFF2-40B4-BE49-F238E27FC236}">
-                <a16:creationId xmlns="" xmlns:a16="http://schemas.microsoft.com/office/drawing/2014/main" id="{A4DC363A-5000-472E-8B17-02E7DCB8840A}"/>
+                <a16:creationId xmlns:a16="http://schemas.microsoft.com/office/drawing/2014/main" xmlns="" id="{A4DC363A-5000-472E-8B17-02E7DCB8840A}"/>
               </a:ext>
             </a:extLst>
           </p:cNvPr>
@@ -3069,7 +3070,7 @@
           <a:p>
             <a:fld id="{63289F7E-B80B-496E-81B4-D396C37C9454}" type="datetimeFigureOut">
               <a:rPr lang="pt-BR" smtClean="0"/>
-              <a:t>06/01/2026</a:t>
+              <a:t>15/01/2026</a:t>
             </a:fld>
             <a:endParaRPr lang="pt-BR"/>
           </a:p>
@@ -3080,7 +3081,7 @@
           <p:cNvPr id="6" name="Espaço Reservado para Rodapé 5">
             <a:extLst>
               <a:ext uri="{FF2B5EF4-FFF2-40B4-BE49-F238E27FC236}">
-                <a16:creationId xmlns="" xmlns:a16="http://schemas.microsoft.com/office/drawing/2014/main" id="{5548425D-2C21-4C56-BAD4-662978775C28}"/>
+                <a16:creationId xmlns:a16="http://schemas.microsoft.com/office/drawing/2014/main" xmlns="" id="{5548425D-2C21-4C56-BAD4-662978775C28}"/>
               </a:ext>
             </a:extLst>
           </p:cNvPr>
@@ -3105,7 +3106,7 @@
           <p:cNvPr id="7" name="Espaço Reservado para Número de Slide 6">
             <a:extLst>
               <a:ext uri="{FF2B5EF4-FFF2-40B4-BE49-F238E27FC236}">
-                <a16:creationId xmlns="" xmlns:a16="http://schemas.microsoft.com/office/drawing/2014/main" id="{C63E9726-E64C-42B2-AE8A-8C235A956B48}"/>
+                <a16:creationId xmlns:a16="http://schemas.microsoft.com/office/drawing/2014/main" xmlns="" id="{C63E9726-E64C-42B2-AE8A-8C235A956B48}"/>
               </a:ext>
             </a:extLst>
           </p:cNvPr>
@@ -3164,7 +3165,7 @@
           <p:cNvPr id="2" name="Título 1">
             <a:extLst>
               <a:ext uri="{FF2B5EF4-FFF2-40B4-BE49-F238E27FC236}">
-                <a16:creationId xmlns="" xmlns:a16="http://schemas.microsoft.com/office/drawing/2014/main" id="{11086A78-3E74-450C-96A6-CA8AC37AF772}"/>
+                <a16:creationId xmlns:a16="http://schemas.microsoft.com/office/drawing/2014/main" xmlns="" id="{11086A78-3E74-450C-96A6-CA8AC37AF772}"/>
               </a:ext>
             </a:extLst>
           </p:cNvPr>
@@ -3201,7 +3202,7 @@
           <p:cNvPr id="3" name="Espaço Reservado para Imagem 2">
             <a:extLst>
               <a:ext uri="{FF2B5EF4-FFF2-40B4-BE49-F238E27FC236}">
-                <a16:creationId xmlns="" xmlns:a16="http://schemas.microsoft.com/office/drawing/2014/main" id="{5F5B7312-975A-4DBC-9B2F-3652ADA006FD}"/>
+                <a16:creationId xmlns:a16="http://schemas.microsoft.com/office/drawing/2014/main" xmlns="" id="{5F5B7312-975A-4DBC-9B2F-3652ADA006FD}"/>
               </a:ext>
             </a:extLst>
           </p:cNvPr>
@@ -3268,7 +3269,7 @@
           <p:cNvPr id="4" name="Espaço Reservado para Texto 3">
             <a:extLst>
               <a:ext uri="{FF2B5EF4-FFF2-40B4-BE49-F238E27FC236}">
-                <a16:creationId xmlns="" xmlns:a16="http://schemas.microsoft.com/office/drawing/2014/main" id="{AAF805F5-1DFF-41C6-944C-7D79FE0D0963}"/>
+                <a16:creationId xmlns:a16="http://schemas.microsoft.com/office/drawing/2014/main" xmlns="" id="{AAF805F5-1DFF-41C6-944C-7D79FE0D0963}"/>
               </a:ext>
             </a:extLst>
           </p:cNvPr>
@@ -3339,7 +3340,7 @@
           <p:cNvPr id="5" name="Espaço Reservado para Data 4">
             <a:extLst>
               <a:ext uri="{FF2B5EF4-FFF2-40B4-BE49-F238E27FC236}">
-                <a16:creationId xmlns="" xmlns:a16="http://schemas.microsoft.com/office/drawing/2014/main" id="{02113D81-8665-4516-BD81-C6A1F254EECD}"/>
+                <a16:creationId xmlns:a16="http://schemas.microsoft.com/office/drawing/2014/main" xmlns="" id="{02113D81-8665-4516-BD81-C6A1F254EECD}"/>
               </a:ext>
             </a:extLst>
           </p:cNvPr>
@@ -3357,7 +3358,7 @@
           <a:p>
             <a:fld id="{63289F7E-B80B-496E-81B4-D396C37C9454}" type="datetimeFigureOut">
               <a:rPr lang="pt-BR" smtClean="0"/>
-              <a:t>06/01/2026</a:t>
+              <a:t>15/01/2026</a:t>
             </a:fld>
             <a:endParaRPr lang="pt-BR"/>
           </a:p>
@@ -3368,7 +3369,7 @@
           <p:cNvPr id="6" name="Espaço Reservado para Rodapé 5">
             <a:extLst>
               <a:ext uri="{FF2B5EF4-FFF2-40B4-BE49-F238E27FC236}">
-                <a16:creationId xmlns="" xmlns:a16="http://schemas.microsoft.com/office/drawing/2014/main" id="{2B00C88B-FF32-40AA-A187-727D96FD7862}"/>
+                <a16:creationId xmlns:a16="http://schemas.microsoft.com/office/drawing/2014/main" xmlns="" id="{2B00C88B-FF32-40AA-A187-727D96FD7862}"/>
               </a:ext>
             </a:extLst>
           </p:cNvPr>
@@ -3393,7 +3394,7 @@
           <p:cNvPr id="7" name="Espaço Reservado para Número de Slide 6">
             <a:extLst>
               <a:ext uri="{FF2B5EF4-FFF2-40B4-BE49-F238E27FC236}">
-                <a16:creationId xmlns="" xmlns:a16="http://schemas.microsoft.com/office/drawing/2014/main" id="{A04D1A2D-69F7-4B8F-A730-BC26DC340BA6}"/>
+                <a16:creationId xmlns:a16="http://schemas.microsoft.com/office/drawing/2014/main" xmlns="" id="{A04D1A2D-69F7-4B8F-A730-BC26DC340BA6}"/>
               </a:ext>
             </a:extLst>
           </p:cNvPr>
@@ -3457,7 +3458,7 @@
           <p:cNvPr id="2" name="Espaço Reservado para Título 1">
             <a:extLst>
               <a:ext uri="{FF2B5EF4-FFF2-40B4-BE49-F238E27FC236}">
-                <a16:creationId xmlns="" xmlns:a16="http://schemas.microsoft.com/office/drawing/2014/main" id="{E69A0273-1966-4A1B-9370-4C1CE5036371}"/>
+                <a16:creationId xmlns:a16="http://schemas.microsoft.com/office/drawing/2014/main" xmlns="" id="{E69A0273-1966-4A1B-9370-4C1CE5036371}"/>
               </a:ext>
             </a:extLst>
           </p:cNvPr>
@@ -3495,7 +3496,7 @@
           <p:cNvPr id="3" name="Espaço Reservado para Texto 2">
             <a:extLst>
               <a:ext uri="{FF2B5EF4-FFF2-40B4-BE49-F238E27FC236}">
-                <a16:creationId xmlns="" xmlns:a16="http://schemas.microsoft.com/office/drawing/2014/main" id="{3B9CF87A-0448-49A7-AB25-EBC1D56A40EF}"/>
+                <a16:creationId xmlns:a16="http://schemas.microsoft.com/office/drawing/2014/main" xmlns="" id="{3B9CF87A-0448-49A7-AB25-EBC1D56A40EF}"/>
               </a:ext>
             </a:extLst>
           </p:cNvPr>
@@ -3562,7 +3563,7 @@
           <p:cNvPr id="4" name="Espaço Reservado para Data 3">
             <a:extLst>
               <a:ext uri="{FF2B5EF4-FFF2-40B4-BE49-F238E27FC236}">
-                <a16:creationId xmlns="" xmlns:a16="http://schemas.microsoft.com/office/drawing/2014/main" id="{2EF7B1F2-BB5A-44D0-816D-16AD2C71430E}"/>
+                <a16:creationId xmlns:a16="http://schemas.microsoft.com/office/drawing/2014/main" xmlns="" id="{2EF7B1F2-BB5A-44D0-816D-16AD2C71430E}"/>
               </a:ext>
             </a:extLst>
           </p:cNvPr>
@@ -3598,7 +3599,7 @@
           <a:p>
             <a:fld id="{63289F7E-B80B-496E-81B4-D396C37C9454}" type="datetimeFigureOut">
               <a:rPr lang="pt-BR" smtClean="0"/>
-              <a:t>06/01/2026</a:t>
+              <a:t>15/01/2026</a:t>
             </a:fld>
             <a:endParaRPr lang="pt-BR"/>
           </a:p>
@@ -3609,7 +3610,7 @@
           <p:cNvPr id="5" name="Espaço Reservado para Rodapé 4">
             <a:extLst>
               <a:ext uri="{FF2B5EF4-FFF2-40B4-BE49-F238E27FC236}">
-                <a16:creationId xmlns="" xmlns:a16="http://schemas.microsoft.com/office/drawing/2014/main" id="{C703F94C-2CC8-4DAA-BC35-14FC3E841DCD}"/>
+                <a16:creationId xmlns:a16="http://schemas.microsoft.com/office/drawing/2014/main" xmlns="" id="{C703F94C-2CC8-4DAA-BC35-14FC3E841DCD}"/>
               </a:ext>
             </a:extLst>
           </p:cNvPr>
@@ -3652,7 +3653,7 @@
           <p:cNvPr id="6" name="Espaço Reservado para Número de Slide 5">
             <a:extLst>
               <a:ext uri="{FF2B5EF4-FFF2-40B4-BE49-F238E27FC236}">
-                <a16:creationId xmlns="" xmlns:a16="http://schemas.microsoft.com/office/drawing/2014/main" id="{64051336-7048-457A-8B61-D94291D71648}"/>
+                <a16:creationId xmlns:a16="http://schemas.microsoft.com/office/drawing/2014/main" xmlns="" id="{64051336-7048-457A-8B61-D94291D71648}"/>
               </a:ext>
             </a:extLst>
           </p:cNvPr>
@@ -4020,7 +4021,7 @@
           <p:cNvPr id="4" name="CaixaDeTexto 3">
             <a:extLst>
               <a:ext uri="{FF2B5EF4-FFF2-40B4-BE49-F238E27FC236}">
-                <a16:creationId xmlns="" xmlns:a16="http://schemas.microsoft.com/office/drawing/2014/main" id="{430EB894-B7D4-434C-9D1A-A14094D9BEEC}"/>
+                <a16:creationId xmlns:a16="http://schemas.microsoft.com/office/drawing/2014/main" xmlns="" id="{430EB894-B7D4-434C-9D1A-A14094D9BEEC}"/>
               </a:ext>
             </a:extLst>
           </p:cNvPr>
@@ -4071,7 +4072,7 @@
           <p:cNvPr id="1026" name="Picture 2" descr="Logo">
             <a:extLst>
               <a:ext uri="{FF2B5EF4-FFF2-40B4-BE49-F238E27FC236}">
-                <a16:creationId xmlns="" xmlns:a16="http://schemas.microsoft.com/office/drawing/2014/main" id="{3F2642E0-4F6A-4196-8F58-E77D36E9A33F}"/>
+                <a16:creationId xmlns:a16="http://schemas.microsoft.com/office/drawing/2014/main" xmlns="" id="{3F2642E0-4F6A-4196-8F58-E77D36E9A33F}"/>
               </a:ext>
             </a:extLst>
           </p:cNvPr>
@@ -4116,7 +4117,7 @@
           <p:cNvPr id="5122" name="Picture 2" descr="Image result for machine learning">
             <a:extLst>
               <a:ext uri="{FF2B5EF4-FFF2-40B4-BE49-F238E27FC236}">
-                <a16:creationId xmlns="" xmlns:a16="http://schemas.microsoft.com/office/drawing/2014/main" id="{810CE0A2-4102-44A6-A370-175E7896CDCB}"/>
+                <a16:creationId xmlns:a16="http://schemas.microsoft.com/office/drawing/2014/main" xmlns="" id="{810CE0A2-4102-44A6-A370-175E7896CDCB}"/>
               </a:ext>
             </a:extLst>
           </p:cNvPr>
@@ -4161,7 +4162,7 @@
           <p:cNvPr id="7" name="Título 1">
             <a:extLst>
               <a:ext uri="{FF2B5EF4-FFF2-40B4-BE49-F238E27FC236}">
-                <a16:creationId xmlns:a16="http://schemas.microsoft.com/office/drawing/2014/main" xmlns="" id="{32666AC8-2E17-4DB4-B0F5-60C640CCFD2E}"/>
+                <a16:creationId xmlns="" xmlns:a16="http://schemas.microsoft.com/office/drawing/2014/main" id="{32666AC8-2E17-4DB4-B0F5-60C640CCFD2E}"/>
               </a:ext>
             </a:extLst>
           </p:cNvPr>
@@ -4213,6 +4214,13 @@
   <p:clrMapOvr>
     <a:masterClrMapping/>
   </p:clrMapOvr>
+  <p:timing>
+    <p:tnLst>
+      <p:par>
+        <p:cTn id="1" dur="indefinite" restart="never" nodeType="tmRoot"/>
+      </p:par>
+    </p:tnLst>
+  </p:timing>
 </p:sld>
 </file>
 
@@ -4235,61 +4243,64 @@
       </p:grpSpPr>
       <p:sp>
         <p:nvSpPr>
-          <p:cNvPr id="2" name="Título 1">
-            <a:extLst>
-              <a:ext uri="{FF2B5EF4-FFF2-40B4-BE49-F238E27FC236}">
-                <a16:creationId xmlns="" xmlns:a16="http://schemas.microsoft.com/office/drawing/2014/main" id="{3CA32550-8C76-B013-2EC7-989D8C3B19BE}"/>
-              </a:ext>
-            </a:extLst>
-          </p:cNvPr>
-          <p:cNvSpPr>
-            <a:spLocks noGrp="1"/>
-          </p:cNvSpPr>
-          <p:nvPr>
-            <p:ph type="title"/>
-          </p:nvPr>
-        </p:nvSpPr>
-        <p:spPr/>
-        <p:txBody>
-          <a:bodyPr/>
-          <a:lstStyle/>
-          <a:p>
-            <a:r>
-              <a:rPr lang="pt-BR" dirty="0"/>
-              <a:t>Referências</a:t>
-            </a:r>
-          </a:p>
-        </p:txBody>
-      </p:sp>
-      <p:sp>
-        <p:nvSpPr>
-          <p:cNvPr id="3" name="Espaço Reservado para Conteúdo 2">
-            <a:extLst>
-              <a:ext uri="{FF2B5EF4-FFF2-40B4-BE49-F238E27FC236}">
-                <a16:creationId xmlns="" xmlns:a16="http://schemas.microsoft.com/office/drawing/2014/main" id="{EF043237-7757-7557-B63E-D4EB5152D44B}"/>
-              </a:ext>
-            </a:extLst>
-          </p:cNvPr>
-          <p:cNvSpPr>
-            <a:spLocks noGrp="1"/>
-          </p:cNvSpPr>
-          <p:nvPr>
-            <p:ph idx="1"/>
-          </p:nvPr>
-        </p:nvSpPr>
-        <p:spPr/>
-        <p:txBody>
-          <a:bodyPr/>
-          <a:lstStyle/>
-          <a:p>
-            <a:endParaRPr lang="pt-BR"/>
+          <p:cNvPr id="4" name="Título 1">
+            <a:extLst>
+              <a:ext uri="{FF2B5EF4-FFF2-40B4-BE49-F238E27FC236}">
+                <a16:creationId xmlns:a16="http://schemas.microsoft.com/office/drawing/2014/main" xmlns="" id="{32666AC8-2E17-4DB4-B0F5-60C640CCFD2E}"/>
+              </a:ext>
+            </a:extLst>
+          </p:cNvPr>
+          <p:cNvSpPr txBox="1">
+            <a:spLocks/>
+          </p:cNvSpPr>
+          <p:nvPr/>
+        </p:nvSpPr>
+        <p:spPr>
+          <a:xfrm>
+            <a:off x="1431533" y="2720526"/>
+            <a:ext cx="9144000" cy="1029541"/>
+          </a:xfrm>
+          <a:prstGeom prst="rect">
+            <a:avLst/>
+          </a:prstGeom>
+        </p:spPr>
+        <p:txBody>
+          <a:bodyPr vert="horz" lIns="91440" tIns="45720" rIns="91440" bIns="45720" rtlCol="0" anchor="ctr">
+            <a:normAutofit/>
+          </a:bodyPr>
+          <a:lstStyle>
+            <a:lvl1pPr algn="l" defTabSz="914400" rtl="0" eaLnBrk="1" latinLnBrk="0" hangingPunct="1">
+              <a:lnSpc>
+                <a:spcPct val="90000"/>
+              </a:lnSpc>
+              <a:spcBef>
+                <a:spcPct val="0"/>
+              </a:spcBef>
+              <a:buNone/>
+              <a:defRPr sz="4400" kern="1200">
+                <a:solidFill>
+                  <a:schemeClr val="tx1"/>
+                </a:solidFill>
+                <a:latin typeface="+mj-lt"/>
+                <a:ea typeface="+mj-ea"/>
+                <a:cs typeface="+mj-cs"/>
+              </a:defRPr>
+            </a:lvl1pPr>
+          </a:lstStyle>
+          <a:p>
+            <a:pPr algn="ctr"/>
+            <a:r>
+              <a:rPr lang="pt-BR" sz="6600" dirty="0"/>
+              <a:t>Perguntas?</a:t>
+            </a:r>
+            <a:endParaRPr lang="pt-BR" sz="6600" b="1" i="1" dirty="0"/>
           </a:p>
         </p:txBody>
       </p:sp>
     </p:spTree>
     <p:extLst>
       <p:ext uri="{BB962C8B-B14F-4D97-AF65-F5344CB8AC3E}">
-        <p14:creationId xmlns:p14="http://schemas.microsoft.com/office/powerpoint/2010/main" val="1787264919"/>
+        <p14:creationId xmlns:p14="http://schemas.microsoft.com/office/powerpoint/2010/main" val="3773005660"/>
       </p:ext>
     </p:extLst>
   </p:cSld>
@@ -4318,10 +4329,93 @@
       </p:grpSpPr>
       <p:sp>
         <p:nvSpPr>
+          <p:cNvPr id="2" name="Título 1">
+            <a:extLst>
+              <a:ext uri="{FF2B5EF4-FFF2-40B4-BE49-F238E27FC236}">
+                <a16:creationId xmlns:a16="http://schemas.microsoft.com/office/drawing/2014/main" xmlns="" id="{3CA32550-8C76-B013-2EC7-989D8C3B19BE}"/>
+              </a:ext>
+            </a:extLst>
+          </p:cNvPr>
+          <p:cNvSpPr>
+            <a:spLocks noGrp="1"/>
+          </p:cNvSpPr>
+          <p:nvPr>
+            <p:ph type="title"/>
+          </p:nvPr>
+        </p:nvSpPr>
+        <p:spPr/>
+        <p:txBody>
+          <a:bodyPr/>
+          <a:lstStyle/>
+          <a:p>
+            <a:r>
+              <a:rPr lang="pt-BR" dirty="0"/>
+              <a:t>Referências</a:t>
+            </a:r>
+          </a:p>
+        </p:txBody>
+      </p:sp>
+      <p:sp>
+        <p:nvSpPr>
+          <p:cNvPr id="3" name="Espaço Reservado para Conteúdo 2">
+            <a:extLst>
+              <a:ext uri="{FF2B5EF4-FFF2-40B4-BE49-F238E27FC236}">
+                <a16:creationId xmlns:a16="http://schemas.microsoft.com/office/drawing/2014/main" xmlns="" id="{EF043237-7757-7557-B63E-D4EB5152D44B}"/>
+              </a:ext>
+            </a:extLst>
+          </p:cNvPr>
+          <p:cNvSpPr>
+            <a:spLocks noGrp="1"/>
+          </p:cNvSpPr>
+          <p:nvPr>
+            <p:ph idx="1"/>
+          </p:nvPr>
+        </p:nvSpPr>
+        <p:spPr/>
+        <p:txBody>
+          <a:bodyPr/>
+          <a:lstStyle/>
+          <a:p>
+            <a:endParaRPr lang="pt-BR"/>
+          </a:p>
+        </p:txBody>
+      </p:sp>
+    </p:spTree>
+    <p:extLst>
+      <p:ext uri="{BB962C8B-B14F-4D97-AF65-F5344CB8AC3E}">
+        <p14:creationId xmlns:p14="http://schemas.microsoft.com/office/powerpoint/2010/main" val="1787264919"/>
+      </p:ext>
+    </p:extLst>
+  </p:cSld>
+  <p:clrMapOvr>
+    <a:masterClrMapping/>
+  </p:clrMapOvr>
+</p:sld>
+</file>
+
+<file path=ppt/slides/slide12.xml><?xml version="1.0" encoding="utf-8"?>
+<p:sld xmlns:a="http://schemas.openxmlformats.org/drawingml/2006/main" xmlns:r="http://schemas.openxmlformats.org/officeDocument/2006/relationships" xmlns:p="http://schemas.openxmlformats.org/presentationml/2006/main">
+  <p:cSld>
+    <p:spTree>
+      <p:nvGrpSpPr>
+        <p:cNvPr id="1" name=""/>
+        <p:cNvGrpSpPr/>
+        <p:nvPr/>
+      </p:nvGrpSpPr>
+      <p:grpSpPr>
+        <a:xfrm>
+          <a:off x="0" y="0"/>
+          <a:ext cx="0" cy="0"/>
+          <a:chOff x="0" y="0"/>
+          <a:chExt cx="0" cy="0"/>
+        </a:xfrm>
+      </p:grpSpPr>
+      <p:sp>
+        <p:nvSpPr>
           <p:cNvPr id="4" name="Título 1">
             <a:extLst>
               <a:ext uri="{FF2B5EF4-FFF2-40B4-BE49-F238E27FC236}">
-                <a16:creationId xmlns="" xmlns:a16="http://schemas.microsoft.com/office/drawing/2014/main" id="{32666AC8-2E17-4DB4-B0F5-60C640CCFD2E}"/>
+                <a16:creationId xmlns:a16="http://schemas.microsoft.com/office/drawing/2014/main" xmlns="" id="{32666AC8-2E17-4DB4-B0F5-60C640CCFD2E}"/>
               </a:ext>
             </a:extLst>
           </p:cNvPr>
@@ -4404,61 +4498,68 @@
       </p:grpSpPr>
       <p:sp>
         <p:nvSpPr>
-          <p:cNvPr id="2" name="Título 1">
-            <a:extLst>
-              <a:ext uri="{FF2B5EF4-FFF2-40B4-BE49-F238E27FC236}">
-                <a16:creationId xmlns="" xmlns:a16="http://schemas.microsoft.com/office/drawing/2014/main" id="{7F5FF925-67DE-CC62-E869-C6E3C1D771E6}"/>
-              </a:ext>
-            </a:extLst>
-          </p:cNvPr>
-          <p:cNvSpPr>
-            <a:spLocks noGrp="1"/>
-          </p:cNvSpPr>
-          <p:nvPr>
-            <p:ph type="title"/>
-          </p:nvPr>
-        </p:nvSpPr>
-        <p:spPr/>
-        <p:txBody>
-          <a:bodyPr/>
-          <a:lstStyle/>
-          <a:p>
-            <a:r>
-              <a:rPr lang="pt-BR" dirty="0"/>
-              <a:t>Introdução</a:t>
-            </a:r>
-          </a:p>
-        </p:txBody>
-      </p:sp>
-      <p:sp>
-        <p:nvSpPr>
-          <p:cNvPr id="3" name="Espaço Reservado para Conteúdo 2">
-            <a:extLst>
-              <a:ext uri="{FF2B5EF4-FFF2-40B4-BE49-F238E27FC236}">
-                <a16:creationId xmlns="" xmlns:a16="http://schemas.microsoft.com/office/drawing/2014/main" id="{7DA84068-671A-9D40-4F76-2C57E4F720C2}"/>
-              </a:ext>
-            </a:extLst>
-          </p:cNvPr>
-          <p:cNvSpPr>
-            <a:spLocks noGrp="1"/>
-          </p:cNvSpPr>
-          <p:nvPr>
-            <p:ph idx="1"/>
-          </p:nvPr>
-        </p:nvSpPr>
-        <p:spPr/>
-        <p:txBody>
-          <a:bodyPr/>
-          <a:lstStyle/>
-          <a:p>
-            <a:endParaRPr lang="pt-BR" dirty="0"/>
-          </a:p>
-        </p:txBody>
-      </p:sp>
+          <p:cNvPr id="4" name="Retângulo 3"/>
+          <p:cNvSpPr/>
+          <p:nvPr/>
+        </p:nvSpPr>
+        <p:spPr>
+          <a:xfrm>
+            <a:off x="4075671" y="6188826"/>
+            <a:ext cx="4040658" cy="461665"/>
+          </a:xfrm>
+          <a:prstGeom prst="rect">
+            <a:avLst/>
+          </a:prstGeom>
+        </p:spPr>
+        <p:txBody>
+          <a:bodyPr wrap="none">
+            <a:spAutoFit/>
+          </a:bodyPr>
+          <a:lstStyle/>
+          <a:p>
+            <a:pPr algn="ctr"/>
+            <a:r>
+              <a:rPr lang="pt-BR" sz="2400" dirty="0" smtClean="0"/>
+              <a:t>Como as máquinas aprendem?</a:t>
+            </a:r>
+            <a:endParaRPr lang="pt-BR" sz="2400" dirty="0"/>
+          </a:p>
+        </p:txBody>
+      </p:sp>
+      <p:pic>
+        <p:nvPicPr>
+          <p:cNvPr id="5" name="Imagem 4"/>
+          <p:cNvPicPr>
+            <a:picLocks noChangeAspect="1"/>
+          </p:cNvPicPr>
+          <p:nvPr/>
+        </p:nvPicPr>
+        <p:blipFill>
+          <a:blip r:embed="rId2">
+            <a:extLst>
+              <a:ext uri="{28A0092B-C50C-407E-A947-70E740481C1C}">
+                <a14:useLocalDpi xmlns:a14="http://schemas.microsoft.com/office/drawing/2010/main" val="0"/>
+              </a:ext>
+            </a:extLst>
+          </a:blip>
+          <a:stretch>
+            <a:fillRect/>
+          </a:stretch>
+        </p:blipFill>
+        <p:spPr>
+          <a:xfrm>
+            <a:off x="1047404" y="453044"/>
+            <a:ext cx="10058400" cy="5486400"/>
+          </a:xfrm>
+          <a:prstGeom prst="rect">
+            <a:avLst/>
+          </a:prstGeom>
+        </p:spPr>
+      </p:pic>
     </p:spTree>
     <p:extLst>
       <p:ext uri="{BB962C8B-B14F-4D97-AF65-F5344CB8AC3E}">
-        <p14:creationId xmlns:p14="http://schemas.microsoft.com/office/powerpoint/2010/main" val="364118245"/>
+        <p14:creationId xmlns:p14="http://schemas.microsoft.com/office/powerpoint/2010/main" val="972551915"/>
       </p:ext>
     </p:extLst>
   </p:cSld>
@@ -4490,7 +4591,7 @@
           <p:cNvPr id="2" name="Título 1">
             <a:extLst>
               <a:ext uri="{FF2B5EF4-FFF2-40B4-BE49-F238E27FC236}">
-                <a16:creationId xmlns="" xmlns:a16="http://schemas.microsoft.com/office/drawing/2014/main" id="{94AB8438-E56E-2412-517C-8456E4CA773C}"/>
+                <a16:creationId xmlns:a16="http://schemas.microsoft.com/office/drawing/2014/main" xmlns="" id="{7F5FF925-67DE-CC62-E869-C6E3C1D771E6}"/>
               </a:ext>
             </a:extLst>
           </p:cNvPr>
@@ -4508,7 +4609,7 @@
           <a:p>
             <a:r>
               <a:rPr lang="pt-BR" dirty="0"/>
-              <a:t>Fundamentação teórica</a:t>
+              <a:t>Introdução</a:t>
             </a:r>
           </a:p>
         </p:txBody>
@@ -4518,7 +4619,7 @@
           <p:cNvPr id="3" name="Espaço Reservado para Conteúdo 2">
             <a:extLst>
               <a:ext uri="{FF2B5EF4-FFF2-40B4-BE49-F238E27FC236}">
-                <a16:creationId xmlns="" xmlns:a16="http://schemas.microsoft.com/office/drawing/2014/main" id="{F7E2B09C-6D56-4C9F-A364-B904CCE2F1A0}"/>
+                <a16:creationId xmlns:a16="http://schemas.microsoft.com/office/drawing/2014/main" xmlns="" id="{7DA84068-671A-9D40-4F76-2C57E4F720C2}"/>
               </a:ext>
             </a:extLst>
           </p:cNvPr>
@@ -4534,20 +4635,27 @@
           <a:bodyPr/>
           <a:lstStyle/>
           <a:p>
-            <a:endParaRPr lang="pt-BR"/>
+            <a:endParaRPr lang="pt-BR" dirty="0"/>
           </a:p>
         </p:txBody>
       </p:sp>
     </p:spTree>
     <p:extLst>
       <p:ext uri="{BB962C8B-B14F-4D97-AF65-F5344CB8AC3E}">
-        <p14:creationId xmlns:p14="http://schemas.microsoft.com/office/powerpoint/2010/main" val="3187071590"/>
+        <p14:creationId xmlns:p14="http://schemas.microsoft.com/office/powerpoint/2010/main" val="364118245"/>
       </p:ext>
     </p:extLst>
   </p:cSld>
   <p:clrMapOvr>
     <a:masterClrMapping/>
   </p:clrMapOvr>
+  <p:timing>
+    <p:tnLst>
+      <p:par>
+        <p:cTn id="1" dur="indefinite" restart="never" nodeType="tmRoot"/>
+      </p:par>
+    </p:tnLst>
+  </p:timing>
 </p:sld>
 </file>
 
@@ -4573,7 +4681,7 @@
           <p:cNvPr id="2" name="Título 1">
             <a:extLst>
               <a:ext uri="{FF2B5EF4-FFF2-40B4-BE49-F238E27FC236}">
-                <a16:creationId xmlns="" xmlns:a16="http://schemas.microsoft.com/office/drawing/2014/main" id="{083FFF02-0FC8-9F0B-AAB0-565FC99EA70D}"/>
+                <a16:creationId xmlns:a16="http://schemas.microsoft.com/office/drawing/2014/main" xmlns="" id="{94AB8438-E56E-2412-517C-8456E4CA773C}"/>
               </a:ext>
             </a:extLst>
           </p:cNvPr>
@@ -4591,7 +4699,7 @@
           <a:p>
             <a:r>
               <a:rPr lang="pt-BR" dirty="0"/>
-              <a:t>Arquitetura e funcionamento</a:t>
+              <a:t>Fundamentação teórica</a:t>
             </a:r>
           </a:p>
         </p:txBody>
@@ -4601,7 +4709,7 @@
           <p:cNvPr id="3" name="Espaço Reservado para Conteúdo 2">
             <a:extLst>
               <a:ext uri="{FF2B5EF4-FFF2-40B4-BE49-F238E27FC236}">
-                <a16:creationId xmlns="" xmlns:a16="http://schemas.microsoft.com/office/drawing/2014/main" id="{8C5488AE-34B4-EF1D-F674-507FF2FCD122}"/>
+                <a16:creationId xmlns:a16="http://schemas.microsoft.com/office/drawing/2014/main" xmlns="" id="{F7E2B09C-6D56-4C9F-A364-B904CCE2F1A0}"/>
               </a:ext>
             </a:extLst>
           </p:cNvPr>
@@ -4624,7 +4732,7 @@
     </p:spTree>
     <p:extLst>
       <p:ext uri="{BB962C8B-B14F-4D97-AF65-F5344CB8AC3E}">
-        <p14:creationId xmlns:p14="http://schemas.microsoft.com/office/powerpoint/2010/main" val="1547259554"/>
+        <p14:creationId xmlns:p14="http://schemas.microsoft.com/office/powerpoint/2010/main" val="3187071590"/>
       </p:ext>
     </p:extLst>
   </p:cSld>
@@ -4639,13 +4747,7 @@
   <p:cSld>
     <p:spTree>
       <p:nvGrpSpPr>
-        <p:cNvPr id="1" name="">
-          <a:extLst>
-            <a:ext uri="{FF2B5EF4-FFF2-40B4-BE49-F238E27FC236}">
-              <a16:creationId xmlns="" xmlns:a16="http://schemas.microsoft.com/office/drawing/2014/main" id="{E1C9F56A-97FC-7CCD-E5BA-3B5E230AD9AB}"/>
-            </a:ext>
-          </a:extLst>
-        </p:cNvPr>
+        <p:cNvPr id="1" name=""/>
         <p:cNvGrpSpPr/>
         <p:nvPr/>
       </p:nvGrpSpPr>
@@ -4662,7 +4764,7 @@
           <p:cNvPr id="2" name="Título 1">
             <a:extLst>
               <a:ext uri="{FF2B5EF4-FFF2-40B4-BE49-F238E27FC236}">
-                <a16:creationId xmlns="" xmlns:a16="http://schemas.microsoft.com/office/drawing/2014/main" id="{A979DAB9-0612-F0CD-7BB1-AF52B98B3210}"/>
+                <a16:creationId xmlns:a16="http://schemas.microsoft.com/office/drawing/2014/main" xmlns="" id="{083FFF02-0FC8-9F0B-AAB0-565FC99EA70D}"/>
               </a:ext>
             </a:extLst>
           </p:cNvPr>
@@ -4680,7 +4782,7 @@
           <a:p>
             <a:r>
               <a:rPr lang="pt-BR" dirty="0"/>
-              <a:t>Treinamento e otimização</a:t>
+              <a:t>Arquitetura e funcionamento</a:t>
             </a:r>
           </a:p>
         </p:txBody>
@@ -4690,7 +4792,7 @@
           <p:cNvPr id="3" name="Espaço Reservado para Conteúdo 2">
             <a:extLst>
               <a:ext uri="{FF2B5EF4-FFF2-40B4-BE49-F238E27FC236}">
-                <a16:creationId xmlns="" xmlns:a16="http://schemas.microsoft.com/office/drawing/2014/main" id="{F22F88A5-87D1-340F-853F-8C2ED8F8C877}"/>
+                <a16:creationId xmlns:a16="http://schemas.microsoft.com/office/drawing/2014/main" xmlns="" id="{8C5488AE-34B4-EF1D-F674-507FF2FCD122}"/>
               </a:ext>
             </a:extLst>
           </p:cNvPr>
@@ -4713,7 +4815,7 @@
     </p:spTree>
     <p:extLst>
       <p:ext uri="{BB962C8B-B14F-4D97-AF65-F5344CB8AC3E}">
-        <p14:creationId xmlns:p14="http://schemas.microsoft.com/office/powerpoint/2010/main" val="3906980817"/>
+        <p14:creationId xmlns:p14="http://schemas.microsoft.com/office/powerpoint/2010/main" val="1547259554"/>
       </p:ext>
     </p:extLst>
   </p:cSld>
@@ -4731,7 +4833,7 @@
         <p:cNvPr id="1" name="">
           <a:extLst>
             <a:ext uri="{FF2B5EF4-FFF2-40B4-BE49-F238E27FC236}">
-              <a16:creationId xmlns="" xmlns:a16="http://schemas.microsoft.com/office/drawing/2014/main" id="{B28A9759-CA4F-DA4F-85C2-F6E51DCED2D9}"/>
+              <a16:creationId xmlns:a16="http://schemas.microsoft.com/office/drawing/2014/main" xmlns="" id="{E1C9F56A-97FC-7CCD-E5BA-3B5E230AD9AB}"/>
             </a:ext>
           </a:extLst>
         </p:cNvPr>
@@ -4751,7 +4853,7 @@
           <p:cNvPr id="2" name="Título 1">
             <a:extLst>
               <a:ext uri="{FF2B5EF4-FFF2-40B4-BE49-F238E27FC236}">
-                <a16:creationId xmlns="" xmlns:a16="http://schemas.microsoft.com/office/drawing/2014/main" id="{072F732D-34CE-6153-324F-D7F6821577F0}"/>
+                <a16:creationId xmlns:a16="http://schemas.microsoft.com/office/drawing/2014/main" xmlns="" id="{A979DAB9-0612-F0CD-7BB1-AF52B98B3210}"/>
               </a:ext>
             </a:extLst>
           </p:cNvPr>
@@ -4769,7 +4871,7 @@
           <a:p>
             <a:r>
               <a:rPr lang="pt-BR" dirty="0"/>
-              <a:t>Vantagens e desvantagens</a:t>
+              <a:t>Treinamento e otimização</a:t>
             </a:r>
           </a:p>
         </p:txBody>
@@ -4779,7 +4881,7 @@
           <p:cNvPr id="3" name="Espaço Reservado para Conteúdo 2">
             <a:extLst>
               <a:ext uri="{FF2B5EF4-FFF2-40B4-BE49-F238E27FC236}">
-                <a16:creationId xmlns="" xmlns:a16="http://schemas.microsoft.com/office/drawing/2014/main" id="{62A55622-8E11-E5D7-8EAF-7AE2CCAA3321}"/>
+                <a16:creationId xmlns:a16="http://schemas.microsoft.com/office/drawing/2014/main" xmlns="" id="{F22F88A5-87D1-340F-853F-8C2ED8F8C877}"/>
               </a:ext>
             </a:extLst>
           </p:cNvPr>
@@ -4802,7 +4904,7 @@
     </p:spTree>
     <p:extLst>
       <p:ext uri="{BB962C8B-B14F-4D97-AF65-F5344CB8AC3E}">
-        <p14:creationId xmlns:p14="http://schemas.microsoft.com/office/powerpoint/2010/main" val="1521811257"/>
+        <p14:creationId xmlns:p14="http://schemas.microsoft.com/office/powerpoint/2010/main" val="3906980817"/>
       </p:ext>
     </p:extLst>
   </p:cSld>
@@ -4817,7 +4919,13 @@
   <p:cSld>
     <p:spTree>
       <p:nvGrpSpPr>
-        <p:cNvPr id="1" name=""/>
+        <p:cNvPr id="1" name="">
+          <a:extLst>
+            <a:ext uri="{FF2B5EF4-FFF2-40B4-BE49-F238E27FC236}">
+              <a16:creationId xmlns:a16="http://schemas.microsoft.com/office/drawing/2014/main" xmlns="" id="{B28A9759-CA4F-DA4F-85C2-F6E51DCED2D9}"/>
+            </a:ext>
+          </a:extLst>
+        </p:cNvPr>
         <p:cNvGrpSpPr/>
         <p:nvPr/>
       </p:nvGrpSpPr>
@@ -4834,7 +4942,7 @@
           <p:cNvPr id="2" name="Título 1">
             <a:extLst>
               <a:ext uri="{FF2B5EF4-FFF2-40B4-BE49-F238E27FC236}">
-                <a16:creationId xmlns="" xmlns:a16="http://schemas.microsoft.com/office/drawing/2014/main" id="{B9E502FC-4440-F5DA-F299-69CD15E702AE}"/>
+                <a16:creationId xmlns:a16="http://schemas.microsoft.com/office/drawing/2014/main" xmlns="" id="{072F732D-34CE-6153-324F-D7F6821577F0}"/>
               </a:ext>
             </a:extLst>
           </p:cNvPr>
@@ -4852,7 +4960,7 @@
           <a:p>
             <a:r>
               <a:rPr lang="pt-BR" dirty="0"/>
-              <a:t>Exemplo(s) de aplicação</a:t>
+              <a:t>Vantagens e desvantagens</a:t>
             </a:r>
           </a:p>
         </p:txBody>
@@ -4862,7 +4970,7 @@
           <p:cNvPr id="3" name="Espaço Reservado para Conteúdo 2">
             <a:extLst>
               <a:ext uri="{FF2B5EF4-FFF2-40B4-BE49-F238E27FC236}">
-                <a16:creationId xmlns="" xmlns:a16="http://schemas.microsoft.com/office/drawing/2014/main" id="{69359096-6B47-BEA3-55AD-95F90CDC8489}"/>
+                <a16:creationId xmlns:a16="http://schemas.microsoft.com/office/drawing/2014/main" xmlns="" id="{62A55622-8E11-E5D7-8EAF-7AE2CCAA3321}"/>
               </a:ext>
             </a:extLst>
           </p:cNvPr>
@@ -4885,7 +4993,7 @@
     </p:spTree>
     <p:extLst>
       <p:ext uri="{BB962C8B-B14F-4D97-AF65-F5344CB8AC3E}">
-        <p14:creationId xmlns:p14="http://schemas.microsoft.com/office/powerpoint/2010/main" val="1532530965"/>
+        <p14:creationId xmlns:p14="http://schemas.microsoft.com/office/powerpoint/2010/main" val="1521811257"/>
       </p:ext>
     </p:extLst>
   </p:cSld>
@@ -4917,7 +5025,7 @@
           <p:cNvPr id="2" name="Título 1">
             <a:extLst>
               <a:ext uri="{FF2B5EF4-FFF2-40B4-BE49-F238E27FC236}">
-                <a16:creationId xmlns="" xmlns:a16="http://schemas.microsoft.com/office/drawing/2014/main" id="{B7EBC8F7-03EF-338A-A90B-280A41AF9688}"/>
+                <a16:creationId xmlns:a16="http://schemas.microsoft.com/office/drawing/2014/main" xmlns="" id="{B9E502FC-4440-F5DA-F299-69CD15E702AE}"/>
               </a:ext>
             </a:extLst>
           </p:cNvPr>
@@ -4935,7 +5043,7 @@
           <a:p>
             <a:r>
               <a:rPr lang="pt-BR" dirty="0"/>
-              <a:t>Comparação com outros algoritmos</a:t>
+              <a:t>Exemplo(s) de aplicação</a:t>
             </a:r>
           </a:p>
         </p:txBody>
@@ -4945,7 +5053,7 @@
           <p:cNvPr id="3" name="Espaço Reservado para Conteúdo 2">
             <a:extLst>
               <a:ext uri="{FF2B5EF4-FFF2-40B4-BE49-F238E27FC236}">
-                <a16:creationId xmlns="" xmlns:a16="http://schemas.microsoft.com/office/drawing/2014/main" id="{C525BCE7-C19D-7DDA-016A-E3016C398CBA}"/>
+                <a16:creationId xmlns:a16="http://schemas.microsoft.com/office/drawing/2014/main" xmlns="" id="{69359096-6B47-BEA3-55AD-95F90CDC8489}"/>
               </a:ext>
             </a:extLst>
           </p:cNvPr>
@@ -4968,7 +5076,7 @@
     </p:spTree>
     <p:extLst>
       <p:ext uri="{BB962C8B-B14F-4D97-AF65-F5344CB8AC3E}">
-        <p14:creationId xmlns:p14="http://schemas.microsoft.com/office/powerpoint/2010/main" val="3601469261"/>
+        <p14:creationId xmlns:p14="http://schemas.microsoft.com/office/powerpoint/2010/main" val="1532530965"/>
       </p:ext>
     </p:extLst>
   </p:cSld>
@@ -4997,64 +5105,61 @@
       </p:grpSpPr>
       <p:sp>
         <p:nvSpPr>
-          <p:cNvPr id="4" name="Título 1">
-            <a:extLst>
-              <a:ext uri="{FF2B5EF4-FFF2-40B4-BE49-F238E27FC236}">
-                <a16:creationId xmlns="" xmlns:a16="http://schemas.microsoft.com/office/drawing/2014/main" id="{32666AC8-2E17-4DB4-B0F5-60C640CCFD2E}"/>
-              </a:ext>
-            </a:extLst>
-          </p:cNvPr>
-          <p:cNvSpPr txBox="1">
-            <a:spLocks/>
-          </p:cNvSpPr>
-          <p:nvPr/>
-        </p:nvSpPr>
-        <p:spPr>
-          <a:xfrm>
-            <a:off x="1431533" y="2720526"/>
-            <a:ext cx="9144000" cy="1029541"/>
-          </a:xfrm>
-          <a:prstGeom prst="rect">
-            <a:avLst/>
-          </a:prstGeom>
-        </p:spPr>
-        <p:txBody>
-          <a:bodyPr vert="horz" lIns="91440" tIns="45720" rIns="91440" bIns="45720" rtlCol="0" anchor="ctr">
-            <a:normAutofit/>
-          </a:bodyPr>
-          <a:lstStyle>
-            <a:lvl1pPr algn="l" defTabSz="914400" rtl="0" eaLnBrk="1" latinLnBrk="0" hangingPunct="1">
-              <a:lnSpc>
-                <a:spcPct val="90000"/>
-              </a:lnSpc>
-              <a:spcBef>
-                <a:spcPct val="0"/>
-              </a:spcBef>
-              <a:buNone/>
-              <a:defRPr sz="4400" kern="1200">
-                <a:solidFill>
-                  <a:schemeClr val="tx1"/>
-                </a:solidFill>
-                <a:latin typeface="+mj-lt"/>
-                <a:ea typeface="+mj-ea"/>
-                <a:cs typeface="+mj-cs"/>
-              </a:defRPr>
-            </a:lvl1pPr>
-          </a:lstStyle>
-          <a:p>
-            <a:pPr algn="ctr"/>
-            <a:r>
-              <a:rPr lang="pt-BR" sz="6600" dirty="0"/>
-              <a:t>Perguntas?</a:t>
-            </a:r>
-            <a:endParaRPr lang="pt-BR" sz="6600" b="1" i="1" dirty="0"/>
+          <p:cNvPr id="2" name="Título 1">
+            <a:extLst>
+              <a:ext uri="{FF2B5EF4-FFF2-40B4-BE49-F238E27FC236}">
+                <a16:creationId xmlns:a16="http://schemas.microsoft.com/office/drawing/2014/main" xmlns="" id="{B7EBC8F7-03EF-338A-A90B-280A41AF9688}"/>
+              </a:ext>
+            </a:extLst>
+          </p:cNvPr>
+          <p:cNvSpPr>
+            <a:spLocks noGrp="1"/>
+          </p:cNvSpPr>
+          <p:nvPr>
+            <p:ph type="title"/>
+          </p:nvPr>
+        </p:nvSpPr>
+        <p:spPr/>
+        <p:txBody>
+          <a:bodyPr/>
+          <a:lstStyle/>
+          <a:p>
+            <a:r>
+              <a:rPr lang="pt-BR" dirty="0"/>
+              <a:t>Comparação com outros algoritmos</a:t>
+            </a:r>
+          </a:p>
+        </p:txBody>
+      </p:sp>
+      <p:sp>
+        <p:nvSpPr>
+          <p:cNvPr id="3" name="Espaço Reservado para Conteúdo 2">
+            <a:extLst>
+              <a:ext uri="{FF2B5EF4-FFF2-40B4-BE49-F238E27FC236}">
+                <a16:creationId xmlns:a16="http://schemas.microsoft.com/office/drawing/2014/main" xmlns="" id="{C525BCE7-C19D-7DDA-016A-E3016C398CBA}"/>
+              </a:ext>
+            </a:extLst>
+          </p:cNvPr>
+          <p:cNvSpPr>
+            <a:spLocks noGrp="1"/>
+          </p:cNvSpPr>
+          <p:nvPr>
+            <p:ph idx="1"/>
+          </p:nvPr>
+        </p:nvSpPr>
+        <p:spPr/>
+        <p:txBody>
+          <a:bodyPr/>
+          <a:lstStyle/>
+          <a:p>
+            <a:endParaRPr lang="pt-BR"/>
           </a:p>
         </p:txBody>
       </p:sp>
     </p:spTree>
     <p:extLst>
       <p:ext uri="{BB962C8B-B14F-4D97-AF65-F5344CB8AC3E}">
-        <p14:creationId xmlns:p14="http://schemas.microsoft.com/office/powerpoint/2010/main" val="3773005660"/>
+        <p14:creationId xmlns:p14="http://schemas.microsoft.com/office/powerpoint/2010/main" val="3601469261"/>
       </p:ext>
     </p:extLst>
   </p:cSld>
